--- a/presentations/weekly_meetings/8_1_24.pptx
+++ b/presentations/weekly_meetings/8_1_24.pptx
@@ -5,17 +5,18 @@
     <p:sldMasterId id="2147483648" r:id="rId1"/>
   </p:sldMasterIdLst>
   <p:notesMasterIdLst>
-    <p:notesMasterId r:id="rId10"/>
+    <p:notesMasterId r:id="rId11"/>
   </p:notesMasterIdLst>
   <p:sldIdLst>
     <p:sldId id="477" r:id="rId2"/>
-    <p:sldId id="726" r:id="rId3"/>
-    <p:sldId id="750" r:id="rId4"/>
-    <p:sldId id="753" r:id="rId5"/>
-    <p:sldId id="755" r:id="rId6"/>
-    <p:sldId id="751" r:id="rId7"/>
-    <p:sldId id="752" r:id="rId8"/>
-    <p:sldId id="754" r:id="rId9"/>
+    <p:sldId id="756" r:id="rId3"/>
+    <p:sldId id="726" r:id="rId4"/>
+    <p:sldId id="750" r:id="rId5"/>
+    <p:sldId id="753" r:id="rId6"/>
+    <p:sldId id="755" r:id="rId7"/>
+    <p:sldId id="751" r:id="rId8"/>
+    <p:sldId id="752" r:id="rId9"/>
+    <p:sldId id="754" r:id="rId10"/>
   </p:sldIdLst>
   <p:sldSz cx="12192000" cy="6858000"/>
   <p:notesSz cx="6858000" cy="9144000"/>
@@ -215,7 +216,7 @@
           <a:p>
             <a:fld id="{E933A773-0DCE-3544-BB67-D5FA58DF903C}" type="datetimeFigureOut">
               <a:rPr lang="en-US" smtClean="0"/>
-              <a:t>8/1/24</a:t>
+              <a:t>8/5/24</a:t>
             </a:fld>
             <a:endParaRPr lang="en-US"/>
           </a:p>
@@ -631,35 +632,6 @@
           <a:bodyPr/>
           <a:lstStyle/>
           <a:p>
-            <a:pPr marL="0" indent="0">
-              <a:buFont typeface="+mj-lt"/>
-              <a:buNone/>
-            </a:pPr>
-            <a:r>
-              <a:rPr lang="en-US" b="0" dirty="0">
-                <a:solidFill>
-                  <a:srgbClr val="CCCCCC"/>
-                </a:solidFill>
-                <a:effectLst/>
-                <a:latin typeface="Menlo" panose="020B0609030804020204" pitchFamily="49" charset="0"/>
-              </a:rPr>
-              <a:t>Cell loss presumably explains higher than expected loss/gain of vars over time (loss could be death or swapping cell sort)</a:t>
-            </a:r>
-          </a:p>
-          <a:p>
-            <a:pPr marL="0" indent="0">
-              <a:buFont typeface="+mj-lt"/>
-              <a:buNone/>
-            </a:pPr>
-            <a:endParaRPr lang="en-US" b="0" dirty="0">
-              <a:solidFill>
-                <a:srgbClr val="CCCCCC"/>
-              </a:solidFill>
-              <a:effectLst/>
-              <a:latin typeface="Menlo" panose="020B0609030804020204" pitchFamily="49" charset="0"/>
-            </a:endParaRPr>
-          </a:p>
-          <a:p>
             <a:pPr marL="0" marR="0" lvl="0" indent="0" algn="l" defTabSz="914400" rtl="0" eaLnBrk="1" fontAlgn="auto" latinLnBrk="0" hangingPunct="1">
               <a:lnSpc>
                 <a:spcPct val="100000"/>
@@ -677,400 +649,13 @@
               <a:tabLst/>
               <a:defRPr/>
             </a:pPr>
-            <a:r>
-              <a:rPr lang="en-US" sz="1200" dirty="0">
-                <a:effectLst/>
-                <a:latin typeface="AdvPSA183"/>
-              </a:rPr>
-              <a:t>Only R in P452: “</a:t>
-            </a:r>
-            <a:r>
-              <a:rPr lang="en-US" sz="1200" dirty="0">
-                <a:effectLst/>
-                <a:latin typeface="Calibri" panose="020F0502020204030204" pitchFamily="34" charset="0"/>
-              </a:rPr>
-              <a:t>we first measured their bulk chromatin accessibility at baseline (Week 0/Visit 0) and 104 </a:t>
-            </a:r>
-            <a:r>
-              <a:rPr lang="en-US" sz="1200" dirty="0" err="1">
-                <a:effectLst/>
-                <a:latin typeface="Calibri" panose="020F0502020204030204" pitchFamily="34" charset="0"/>
-              </a:rPr>
-              <a:t>wk</a:t>
-            </a:r>
-            <a:r>
-              <a:rPr lang="en-US" sz="1200" dirty="0">
-                <a:effectLst/>
-                <a:latin typeface="Calibri" panose="020F0502020204030204" pitchFamily="34" charset="0"/>
-              </a:rPr>
-              <a:t> (Visit 30) post-treatment in alefacept responders (R, defined by C-peptide preservation) using ATAC-seq following sorting from PBMC (</a:t>
-            </a:r>
-            <a:r>
-              <a:rPr lang="en-US" sz="1200" dirty="0">
-                <a:effectLst/>
-                <a:latin typeface="Calibri,Bold"/>
-              </a:rPr>
-              <a:t>Figure 1A</a:t>
-            </a:r>
-            <a:r>
-              <a:rPr lang="en-US" sz="1200" dirty="0">
-                <a:effectLst/>
-                <a:latin typeface="Calibri" panose="020F0502020204030204" pitchFamily="34" charset="0"/>
-              </a:rPr>
-              <a:t>, Because cell population differences rather than treatment response differences were the focus of our investigation, we sequenced only alefacept responder (R) samples“</a:t>
-            </a:r>
-          </a:p>
-          <a:p>
-            <a:pPr marL="0" marR="0" lvl="0" indent="0" algn="l" defTabSz="914400" rtl="0" eaLnBrk="1" fontAlgn="auto" latinLnBrk="0" hangingPunct="1">
-              <a:lnSpc>
-                <a:spcPct val="100000"/>
-              </a:lnSpc>
-              <a:spcBef>
-                <a:spcPts val="0"/>
-              </a:spcBef>
-              <a:spcAft>
-                <a:spcPts val="0"/>
-              </a:spcAft>
-              <a:buClrTx/>
-              <a:buSzTx/>
-              <a:buFont typeface="+mj-lt"/>
-              <a:buNone/>
-              <a:tabLst/>
-              <a:defRPr/>
-            </a:pPr>
-            <a:endParaRPr lang="en-US" sz="1200" dirty="0">
-              <a:effectLst/>
-              <a:latin typeface="Calibri" panose="020F0502020204030204" pitchFamily="34" charset="0"/>
-            </a:endParaRPr>
-          </a:p>
-          <a:p>
-            <a:pPr marL="0" marR="0" lvl="0" indent="0" algn="l" defTabSz="914400" rtl="0" eaLnBrk="1" fontAlgn="auto" latinLnBrk="0" hangingPunct="1">
-              <a:lnSpc>
-                <a:spcPct val="100000"/>
-              </a:lnSpc>
-              <a:spcBef>
-                <a:spcPts val="0"/>
-              </a:spcBef>
-              <a:spcAft>
-                <a:spcPts val="0"/>
-              </a:spcAft>
-              <a:buClrTx/>
-              <a:buSzTx/>
-              <a:buFont typeface="+mj-lt"/>
-              <a:buNone/>
-              <a:tabLst/>
-              <a:defRPr/>
-            </a:pPr>
-            <a:r>
-              <a:rPr lang="en-US" sz="1200" dirty="0">
-                <a:effectLst/>
-                <a:latin typeface="Calibri" panose="020F0502020204030204" pitchFamily="34" charset="0"/>
-              </a:rPr>
-              <a:t>Updated to remove vars present in all sorts in a donor</a:t>
-            </a:r>
-          </a:p>
-          <a:p>
-            <a:pPr marL="0" marR="0" lvl="0" indent="0" algn="l" defTabSz="914400" rtl="0" eaLnBrk="1" fontAlgn="auto" latinLnBrk="0" hangingPunct="1">
-              <a:lnSpc>
-                <a:spcPct val="100000"/>
-              </a:lnSpc>
-              <a:spcBef>
-                <a:spcPts val="0"/>
-              </a:spcBef>
-              <a:spcAft>
-                <a:spcPts val="0"/>
-              </a:spcAft>
-              <a:buClrTx/>
-              <a:buSzTx/>
-              <a:buFont typeface="+mj-lt"/>
-              <a:buNone/>
-              <a:tabLst/>
-              <a:defRPr/>
-            </a:pPr>
-            <a:endParaRPr lang="en-US" sz="1200" dirty="0">
-              <a:effectLst/>
-              <a:latin typeface="Calibri" panose="020F0502020204030204" pitchFamily="34" charset="0"/>
-            </a:endParaRPr>
-          </a:p>
-          <a:p>
-            <a:r>
-              <a:rPr lang="en-US" dirty="0"/>
-              <a:t>MT notes:</a:t>
-            </a:r>
-          </a:p>
-          <a:p>
-            <a:pPr marL="0" marR="0" lvl="0" indent="0" algn="l" defTabSz="914400" rtl="0" eaLnBrk="1" fontAlgn="auto" latinLnBrk="0" hangingPunct="1">
-              <a:lnSpc>
-                <a:spcPct val="100000"/>
-              </a:lnSpc>
-              <a:spcBef>
-                <a:spcPts val="0"/>
-              </a:spcBef>
-              <a:spcAft>
-                <a:spcPts val="0"/>
-              </a:spcAft>
-              <a:buClrTx/>
-              <a:buSzTx/>
-              <a:buFontTx/>
-              <a:buNone/>
-              <a:tabLst/>
-              <a:defRPr/>
-            </a:pPr>
-            <a:r>
-              <a:rPr lang="en-US" sz="1200" dirty="0">
-                <a:effectLst/>
-                <a:latin typeface="AdvPSA183"/>
-              </a:rPr>
-              <a:t>Mitochondrial genomes have high copy number (100–1,000s)</a:t>
-            </a:r>
-          </a:p>
-          <a:p>
-            <a:pPr marL="0" marR="0" lvl="0" indent="0" algn="l" defTabSz="914400" rtl="0" eaLnBrk="1" fontAlgn="auto" latinLnBrk="0" hangingPunct="1">
-              <a:lnSpc>
-                <a:spcPct val="100000"/>
-              </a:lnSpc>
-              <a:spcBef>
-                <a:spcPts val="0"/>
-              </a:spcBef>
-              <a:spcAft>
-                <a:spcPts val="0"/>
-              </a:spcAft>
-              <a:buClrTx/>
-              <a:buSzTx/>
-              <a:buFontTx/>
-              <a:buNone/>
-              <a:tabLst/>
-              <a:defRPr/>
-            </a:pPr>
-            <a:endParaRPr lang="en-US" sz="1200" dirty="0">
-              <a:effectLst/>
-              <a:latin typeface="AdvPSA183"/>
-            </a:endParaRPr>
-          </a:p>
-          <a:p>
-            <a:pPr marL="0" marR="0" lvl="0" indent="0" algn="l" defTabSz="914400" rtl="0" eaLnBrk="1" fontAlgn="auto" latinLnBrk="0" hangingPunct="1">
-              <a:lnSpc>
-                <a:spcPct val="100000"/>
-              </a:lnSpc>
-              <a:spcBef>
-                <a:spcPts val="0"/>
-              </a:spcBef>
-              <a:spcAft>
-                <a:spcPts val="0"/>
-              </a:spcAft>
-              <a:buClrTx/>
-              <a:buSzTx/>
-              <a:buFontTx/>
-              <a:buNone/>
-              <a:tabLst/>
-              <a:defRPr/>
-            </a:pPr>
-            <a:r>
-              <a:rPr lang="en-US" sz="1200" b="0" i="0" u="none" strike="noStrike" dirty="0" err="1">
-                <a:solidFill>
-                  <a:srgbClr val="212121"/>
-                </a:solidFill>
-                <a:effectLst/>
-                <a:highlight>
-                  <a:srgbClr val="FFFFFF"/>
-                </a:highlight>
-                <a:latin typeface="Cambria" panose="02040503050406030204" pitchFamily="18" charset="0"/>
-              </a:rPr>
-              <a:t>homoplasmy</a:t>
-            </a:r>
-            <a:r>
-              <a:rPr lang="en-US" sz="1200" b="0" i="0" u="none" strike="noStrike" dirty="0">
-                <a:solidFill>
-                  <a:srgbClr val="212121"/>
-                </a:solidFill>
-                <a:effectLst/>
-                <a:highlight>
-                  <a:srgbClr val="FFFFFF"/>
-                </a:highlight>
-                <a:latin typeface="Cambria" panose="02040503050406030204" pitchFamily="18" charset="0"/>
-              </a:rPr>
-              <a:t> is when all copies of the mitochondrial genome in a cell are identical; </a:t>
-            </a:r>
-            <a:r>
-              <a:rPr lang="en-US" sz="1200" b="0" i="0" u="none" strike="noStrike" dirty="0" err="1">
-                <a:solidFill>
-                  <a:srgbClr val="212121"/>
-                </a:solidFill>
-                <a:effectLst/>
-                <a:highlight>
-                  <a:srgbClr val="FFFFFF"/>
-                </a:highlight>
-                <a:latin typeface="Cambria" panose="02040503050406030204" pitchFamily="18" charset="0"/>
-              </a:rPr>
-              <a:t>heteroplasmy</a:t>
-            </a:r>
-            <a:r>
-              <a:rPr lang="en-US" sz="1200" b="0" i="0" u="none" strike="noStrike" dirty="0">
-                <a:solidFill>
-                  <a:srgbClr val="212121"/>
-                </a:solidFill>
-                <a:effectLst/>
-                <a:highlight>
-                  <a:srgbClr val="FFFFFF"/>
-                </a:highlight>
-                <a:latin typeface="Cambria" panose="02040503050406030204" pitchFamily="18" charset="0"/>
-              </a:rPr>
-              <a:t> is when there is a mixture of two or more mitochondrial genotypes</a:t>
-            </a:r>
-            <a:endParaRPr lang="en-US" sz="1200" dirty="0">
-              <a:effectLst/>
-              <a:latin typeface="AdvPSA183"/>
-            </a:endParaRPr>
-          </a:p>
-          <a:p>
-            <a:pPr marL="0" marR="0" lvl="0" indent="0" algn="l" defTabSz="914400" rtl="0" eaLnBrk="1" fontAlgn="auto" latinLnBrk="0" hangingPunct="1">
-              <a:lnSpc>
-                <a:spcPct val="100000"/>
-              </a:lnSpc>
-              <a:spcBef>
-                <a:spcPts val="0"/>
-              </a:spcBef>
-              <a:spcAft>
-                <a:spcPts val="0"/>
-              </a:spcAft>
-              <a:buClrTx/>
-              <a:buSzTx/>
-              <a:buFontTx/>
-              <a:buNone/>
-              <a:tabLst/>
-              <a:defRPr/>
-            </a:pPr>
-            <a:endParaRPr lang="en-US" sz="1200" dirty="0">
-              <a:effectLst/>
-              <a:latin typeface="AdvPSA183"/>
-            </a:endParaRPr>
-          </a:p>
-          <a:p>
-            <a:pPr marL="0" marR="0" lvl="0" indent="0" algn="l" defTabSz="914400" rtl="0" eaLnBrk="1" fontAlgn="auto" latinLnBrk="0" hangingPunct="1">
-              <a:lnSpc>
-                <a:spcPct val="100000"/>
-              </a:lnSpc>
-              <a:spcBef>
-                <a:spcPts val="0"/>
-              </a:spcBef>
-              <a:spcAft>
-                <a:spcPts val="0"/>
-              </a:spcAft>
-              <a:buClrTx/>
-              <a:buSzTx/>
-              <a:buFontTx/>
-              <a:buNone/>
-              <a:tabLst/>
-              <a:defRPr/>
-            </a:pPr>
-            <a:r>
-              <a:rPr lang="en-US" sz="1200" dirty="0">
-                <a:effectLst/>
-                <a:latin typeface="AdvPSA183"/>
-              </a:rPr>
-              <a:t>mutations in </a:t>
-            </a:r>
-            <a:r>
-              <a:rPr lang="en-US" sz="1200" dirty="0" err="1">
-                <a:effectLst/>
-                <a:latin typeface="AdvPSA183"/>
-              </a:rPr>
-              <a:t>mtDNA</a:t>
-            </a:r>
-            <a:r>
-              <a:rPr lang="en-US" sz="1200" dirty="0">
-                <a:effectLst/>
-                <a:latin typeface="AdvPSA183"/>
-              </a:rPr>
-              <a:t> often reach high levels of </a:t>
-            </a:r>
-            <a:r>
-              <a:rPr lang="en-US" sz="1200" dirty="0" err="1">
-                <a:effectLst/>
-                <a:latin typeface="AdvPSA183"/>
-              </a:rPr>
-              <a:t>heteroplasmy</a:t>
-            </a:r>
-            <a:r>
-              <a:rPr lang="en-US" sz="1200" dirty="0">
-                <a:effectLst/>
-                <a:latin typeface="AdvPSA183"/>
-              </a:rPr>
-              <a:t> (proportion of mitochondrial genomes containing a specific mutation) due to a combination of vegetative segregation, random genetic drift, and relaxed replication </a:t>
-            </a:r>
-            <a:endParaRPr lang="en-US" b="0" i="0" u="none" strike="noStrike" dirty="0">
+            <a:endParaRPr lang="en-US" sz="1200" b="0" i="0" u="none" strike="noStrike" dirty="0">
               <a:solidFill>
                 <a:srgbClr val="212121"/>
               </a:solidFill>
               <a:effectLst/>
-              <a:highlight>
-                <a:srgbClr val="FFFCF0"/>
-              </a:highlight>
-              <a:latin typeface="Cambria" panose="02040503050406030204" pitchFamily="18" charset="0"/>
+              <a:latin typeface="Aptos" panose="020B0004020202020204" pitchFamily="34" charset="0"/>
             </a:endParaRPr>
-          </a:p>
-          <a:p>
-            <a:endParaRPr lang="en-US" dirty="0"/>
-          </a:p>
-          <a:p>
-            <a:r>
-              <a:rPr lang="en-US" b="0" i="0" u="none" strike="noStrike" dirty="0">
-                <a:solidFill>
-                  <a:srgbClr val="212121"/>
-                </a:solidFill>
-                <a:effectLst/>
-                <a:highlight>
-                  <a:srgbClr val="FFFCF0"/>
-                </a:highlight>
-                <a:latin typeface="Cambria" panose="02040503050406030204" pitchFamily="18" charset="0"/>
-              </a:rPr>
-              <a:t>Exclusively maternal inheritance</a:t>
-            </a:r>
-          </a:p>
-          <a:p>
-            <a:endParaRPr lang="en-US" b="0" i="0" u="none" strike="noStrike" dirty="0">
-              <a:solidFill>
-                <a:srgbClr val="212121"/>
-              </a:solidFill>
-              <a:effectLst/>
-              <a:highlight>
-                <a:srgbClr val="FFFFFF"/>
-              </a:highlight>
-              <a:latin typeface="Cambria" panose="02040503050406030204" pitchFamily="18" charset="0"/>
-            </a:endParaRPr>
-          </a:p>
-          <a:p>
-            <a:pPr marL="0" marR="0" lvl="0" indent="0" algn="l" defTabSz="914400" rtl="0" eaLnBrk="1" fontAlgn="auto" latinLnBrk="0" hangingPunct="1">
-              <a:lnSpc>
-                <a:spcPct val="100000"/>
-              </a:lnSpc>
-              <a:spcBef>
-                <a:spcPts val="0"/>
-              </a:spcBef>
-              <a:spcAft>
-                <a:spcPts val="0"/>
-              </a:spcAft>
-              <a:buClrTx/>
-              <a:buSzTx/>
-              <a:buFontTx/>
-              <a:buNone/>
-              <a:tabLst/>
-              <a:defRPr/>
-            </a:pPr>
-            <a:r>
-              <a:rPr lang="en-US" sz="1200" dirty="0" err="1">
-                <a:effectLst/>
-                <a:latin typeface="AdvPSA183"/>
-              </a:rPr>
-              <a:t>mtDNA</a:t>
-            </a:r>
-            <a:r>
-              <a:rPr lang="en-US" sz="1200" dirty="0">
-                <a:effectLst/>
-                <a:latin typeface="AdvPSA183"/>
-              </a:rPr>
-              <a:t> mutation rates are estimated to be 10- to 100-fold higher than for nuclear DNA</a:t>
-            </a:r>
           </a:p>
         </p:txBody>
       </p:sp>
@@ -1106,7 +691,7 @@
     </p:spTree>
     <p:extLst>
       <p:ext uri="{BB962C8B-B14F-4D97-AF65-F5344CB8AC3E}">
-        <p14:creationId xmlns:p14="http://schemas.microsoft.com/office/powerpoint/2010/main" val="2452080432"/>
+        <p14:creationId xmlns:p14="http://schemas.microsoft.com/office/powerpoint/2010/main" val="2599089966"/>
       </p:ext>
     </p:extLst>
   </p:cSld>
@@ -1178,6 +763,35 @@
           <a:bodyPr/>
           <a:lstStyle/>
           <a:p>
+            <a:pPr marL="0" indent="0">
+              <a:buFont typeface="+mj-lt"/>
+              <a:buNone/>
+            </a:pPr>
+            <a:r>
+              <a:rPr lang="en-US" b="0" dirty="0">
+                <a:solidFill>
+                  <a:srgbClr val="CCCCCC"/>
+                </a:solidFill>
+                <a:effectLst/>
+                <a:latin typeface="Menlo" panose="020B0609030804020204" pitchFamily="49" charset="0"/>
+              </a:rPr>
+              <a:t>Cell loss presumably explains higher than expected loss/gain of vars over time (loss could be death or swapping cell sort)</a:t>
+            </a:r>
+          </a:p>
+          <a:p>
+            <a:pPr marL="0" indent="0">
+              <a:buFont typeface="+mj-lt"/>
+              <a:buNone/>
+            </a:pPr>
+            <a:endParaRPr lang="en-US" b="0" dirty="0">
+              <a:solidFill>
+                <a:srgbClr val="CCCCCC"/>
+              </a:solidFill>
+              <a:effectLst/>
+              <a:latin typeface="Menlo" panose="020B0609030804020204" pitchFamily="49" charset="0"/>
+            </a:endParaRPr>
+          </a:p>
+          <a:p>
             <a:pPr marL="0" marR="0" lvl="0" indent="0" algn="l" defTabSz="914400" rtl="0" eaLnBrk="1" fontAlgn="auto" latinLnBrk="0" hangingPunct="1">
               <a:lnSpc>
                 <a:spcPct val="100000"/>
@@ -1196,34 +810,46 @@
               <a:defRPr/>
             </a:pPr>
             <a:r>
-              <a:rPr lang="en-US" b="0" dirty="0">
-                <a:solidFill>
-                  <a:srgbClr val="CCCCCC"/>
-                </a:solidFill>
+              <a:rPr lang="en-US" sz="1200" dirty="0">
                 <a:effectLst/>
-                <a:latin typeface="Menlo" panose="020B0609030804020204" pitchFamily="49" charset="0"/>
+                <a:latin typeface="AdvPSA183"/>
               </a:rPr>
-              <a:t>Just looking at top 2000 variable regions, which is what Seurat plotted on UMAP (less noisy than </a:t>
-            </a:r>
-            <a:r>
-              <a:rPr lang="en-US" b="0" dirty="0" err="1">
-                <a:solidFill>
-                  <a:srgbClr val="CCCCCC"/>
-                </a:solidFill>
+              <a:t>Only R in P452: “</a:t>
+            </a:r>
+            <a:r>
+              <a:rPr lang="en-US" sz="1200" dirty="0">
                 <a:effectLst/>
-                <a:latin typeface="Menlo" panose="020B0609030804020204" pitchFamily="49" charset="0"/>
+                <a:latin typeface="Calibri" panose="020F0502020204030204" pitchFamily="34" charset="0"/>
               </a:rPr>
-              <a:t>Diffbind</a:t>
-            </a:r>
-            <a:r>
-              <a:rPr lang="en-US" b="0" dirty="0">
-                <a:solidFill>
-                  <a:srgbClr val="CCCCCC"/>
-                </a:solidFill>
+              <a:t>we first measured their bulk chromatin accessibility at baseline (Week 0/Visit 0) and 104 </a:t>
+            </a:r>
+            <a:r>
+              <a:rPr lang="en-US" sz="1200" dirty="0" err="1">
                 <a:effectLst/>
-                <a:latin typeface="Menlo" panose="020B0609030804020204" pitchFamily="49" charset="0"/>
+                <a:latin typeface="Calibri" panose="020F0502020204030204" pitchFamily="34" charset="0"/>
               </a:rPr>
-              <a:t> default all regions)</a:t>
+              <a:t>wk</a:t>
+            </a:r>
+            <a:r>
+              <a:rPr lang="en-US" sz="1200" dirty="0">
+                <a:effectLst/>
+                <a:latin typeface="Calibri" panose="020F0502020204030204" pitchFamily="34" charset="0"/>
+              </a:rPr>
+              <a:t> (Visit 30) post-treatment in alefacept responders (R, defined by C-peptide preservation) using ATAC-seq following sorting from PBMC (</a:t>
+            </a:r>
+            <a:r>
+              <a:rPr lang="en-US" sz="1200" dirty="0">
+                <a:effectLst/>
+                <a:latin typeface="Calibri,Bold"/>
+              </a:rPr>
+              <a:t>Figure 1A</a:t>
+            </a:r>
+            <a:r>
+              <a:rPr lang="en-US" sz="1200" dirty="0">
+                <a:effectLst/>
+                <a:latin typeface="Calibri" panose="020F0502020204030204" pitchFamily="34" charset="0"/>
+              </a:rPr>
+              <a:t>, Because cell population differences rather than treatment response differences were the focus of our investigation, we sequenced only alefacept responder (R) samples“</a:t>
             </a:r>
           </a:p>
           <a:p>
@@ -1244,12 +870,9 @@
               <a:tabLst/>
               <a:defRPr/>
             </a:pPr>
-            <a:endParaRPr lang="en-US" b="0" dirty="0">
-              <a:solidFill>
-                <a:srgbClr val="CCCCCC"/>
-              </a:solidFill>
+            <a:endParaRPr lang="en-US" sz="1200" dirty="0">
               <a:effectLst/>
-              <a:latin typeface="Menlo" panose="020B0609030804020204" pitchFamily="49" charset="0"/>
+              <a:latin typeface="Calibri" panose="020F0502020204030204" pitchFamily="34" charset="0"/>
             </a:endParaRPr>
           </a:p>
           <a:p>
@@ -1271,14 +894,11 @@
               <a:defRPr/>
             </a:pPr>
             <a:r>
-              <a:rPr lang="en-US" b="0" dirty="0">
-                <a:solidFill>
-                  <a:srgbClr val="CCCCCC"/>
-                </a:solidFill>
+              <a:rPr lang="en-US" sz="1200" dirty="0">
                 <a:effectLst/>
-                <a:latin typeface="Menlo" panose="020B0609030804020204" pitchFamily="49" charset="0"/>
+                <a:latin typeface="Calibri" panose="020F0502020204030204" pitchFamily="34" charset="0"/>
               </a:rPr>
-              <a:t>To move to Seurat, took counts within peaks and ran that matrix through Seurat workflow (normalize, select variable peaks, scale…)</a:t>
+              <a:t>Updated to remove vars present in all sorts in a donor</a:t>
             </a:r>
           </a:p>
           <a:p>
@@ -1299,13 +919,16 @@
               <a:tabLst/>
               <a:defRPr/>
             </a:pPr>
-            <a:endParaRPr lang="en-US" b="0" dirty="0">
-              <a:solidFill>
-                <a:srgbClr val="CCCCCC"/>
-              </a:solidFill>
+            <a:endParaRPr lang="en-US" sz="1200" dirty="0">
               <a:effectLst/>
-              <a:latin typeface="Menlo" panose="020B0609030804020204" pitchFamily="49" charset="0"/>
+              <a:latin typeface="Calibri" panose="020F0502020204030204" pitchFamily="34" charset="0"/>
             </a:endParaRPr>
+          </a:p>
+          <a:p>
+            <a:r>
+              <a:rPr lang="en-US" dirty="0"/>
+              <a:t>MT notes:</a:t>
+            </a:r>
           </a:p>
           <a:p>
             <a:pPr marL="0" marR="0" lvl="0" indent="0" algn="l" defTabSz="914400" rtl="0" eaLnBrk="1" fontAlgn="auto" latinLnBrk="0" hangingPunct="1">
@@ -1320,40 +943,265 @@
               </a:spcAft>
               <a:buClrTx/>
               <a:buSzTx/>
-              <a:buFont typeface="+mj-lt"/>
+              <a:buFontTx/>
               <a:buNone/>
               <a:tabLst/>
               <a:defRPr/>
             </a:pPr>
             <a:r>
-              <a:rPr lang="en-US" b="0" dirty="0">
+              <a:rPr lang="en-US" sz="1200" dirty="0">
+                <a:effectLst/>
+                <a:latin typeface="AdvPSA183"/>
+              </a:rPr>
+              <a:t>Mitochondrial genomes have high copy number (100–1,000s)</a:t>
+            </a:r>
+          </a:p>
+          <a:p>
+            <a:pPr marL="0" marR="0" lvl="0" indent="0" algn="l" defTabSz="914400" rtl="0" eaLnBrk="1" fontAlgn="auto" latinLnBrk="0" hangingPunct="1">
+              <a:lnSpc>
+                <a:spcPct val="100000"/>
+              </a:lnSpc>
+              <a:spcBef>
+                <a:spcPts val="0"/>
+              </a:spcBef>
+              <a:spcAft>
+                <a:spcPts val="0"/>
+              </a:spcAft>
+              <a:buClrTx/>
+              <a:buSzTx/>
+              <a:buFontTx/>
+              <a:buNone/>
+              <a:tabLst/>
+              <a:defRPr/>
+            </a:pPr>
+            <a:endParaRPr lang="en-US" sz="1200" dirty="0">
+              <a:effectLst/>
+              <a:latin typeface="AdvPSA183"/>
+            </a:endParaRPr>
+          </a:p>
+          <a:p>
+            <a:pPr marL="0" marR="0" lvl="0" indent="0" algn="l" defTabSz="914400" rtl="0" eaLnBrk="1" fontAlgn="auto" latinLnBrk="0" hangingPunct="1">
+              <a:lnSpc>
+                <a:spcPct val="100000"/>
+              </a:lnSpc>
+              <a:spcBef>
+                <a:spcPts val="0"/>
+              </a:spcBef>
+              <a:spcAft>
+                <a:spcPts val="0"/>
+              </a:spcAft>
+              <a:buClrTx/>
+              <a:buSzTx/>
+              <a:buFontTx/>
+              <a:buNone/>
+              <a:tabLst/>
+              <a:defRPr/>
+            </a:pPr>
+            <a:r>
+              <a:rPr lang="en-US" sz="1200" b="0" i="0" u="none" strike="noStrike" dirty="0" err="1">
                 <a:solidFill>
-                  <a:srgbClr val="CCCCCC"/>
+                  <a:srgbClr val="212121"/>
                 </a:solidFill>
                 <a:effectLst/>
-                <a:latin typeface="Menlo" panose="020B0609030804020204" pitchFamily="49" charset="0"/>
+                <a:highlight>
+                  <a:srgbClr val="FFFFFF"/>
+                </a:highlight>
+                <a:latin typeface="Cambria" panose="02040503050406030204" pitchFamily="18" charset="0"/>
               </a:rPr>
-              <a:t>For distances, took scaled data from </a:t>
-            </a:r>
-            <a:r>
-              <a:rPr lang="en-US" b="0" dirty="0" err="1">
+              <a:t>homoplasmy</a:t>
+            </a:r>
+            <a:r>
+              <a:rPr lang="en-US" sz="1200" b="0" i="0" u="none" strike="noStrike" dirty="0">
                 <a:solidFill>
-                  <a:srgbClr val="CCCCCC"/>
+                  <a:srgbClr val="212121"/>
                 </a:solidFill>
                 <a:effectLst/>
-                <a:latin typeface="Menlo" panose="020B0609030804020204" pitchFamily="49" charset="0"/>
+                <a:highlight>
+                  <a:srgbClr val="FFFFFF"/>
+                </a:highlight>
+                <a:latin typeface="Cambria" panose="02040503050406030204" pitchFamily="18" charset="0"/>
               </a:rPr>
-              <a:t>UMAPped</a:t>
-            </a:r>
-            <a:r>
-              <a:rPr lang="en-US" b="0" dirty="0">
+              <a:t> is when all copies of the mitochondrial genome in a cell are identical; </a:t>
+            </a:r>
+            <a:r>
+              <a:rPr lang="en-US" sz="1200" b="0" i="0" u="none" strike="noStrike" dirty="0" err="1">
                 <a:solidFill>
-                  <a:srgbClr val="CCCCCC"/>
+                  <a:srgbClr val="212121"/>
                 </a:solidFill>
                 <a:effectLst/>
-                <a:latin typeface="Menlo" panose="020B0609030804020204" pitchFamily="49" charset="0"/>
+                <a:highlight>
+                  <a:srgbClr val="FFFFFF"/>
+                </a:highlight>
+                <a:latin typeface="Cambria" panose="02040503050406030204" pitchFamily="18" charset="0"/>
               </a:rPr>
-              <a:t> Seurat object and ran distance formula on sort means (centroids)</a:t>
+              <a:t>heteroplasmy</a:t>
+            </a:r>
+            <a:r>
+              <a:rPr lang="en-US" sz="1200" b="0" i="0" u="none" strike="noStrike" dirty="0">
+                <a:solidFill>
+                  <a:srgbClr val="212121"/>
+                </a:solidFill>
+                <a:effectLst/>
+                <a:highlight>
+                  <a:srgbClr val="FFFFFF"/>
+                </a:highlight>
+                <a:latin typeface="Cambria" panose="02040503050406030204" pitchFamily="18" charset="0"/>
+              </a:rPr>
+              <a:t> is when there is a mixture of two or more mitochondrial genotypes</a:t>
+            </a:r>
+            <a:endParaRPr lang="en-US" sz="1200" dirty="0">
+              <a:effectLst/>
+              <a:latin typeface="AdvPSA183"/>
+            </a:endParaRPr>
+          </a:p>
+          <a:p>
+            <a:pPr marL="0" marR="0" lvl="0" indent="0" algn="l" defTabSz="914400" rtl="0" eaLnBrk="1" fontAlgn="auto" latinLnBrk="0" hangingPunct="1">
+              <a:lnSpc>
+                <a:spcPct val="100000"/>
+              </a:lnSpc>
+              <a:spcBef>
+                <a:spcPts val="0"/>
+              </a:spcBef>
+              <a:spcAft>
+                <a:spcPts val="0"/>
+              </a:spcAft>
+              <a:buClrTx/>
+              <a:buSzTx/>
+              <a:buFontTx/>
+              <a:buNone/>
+              <a:tabLst/>
+              <a:defRPr/>
+            </a:pPr>
+            <a:endParaRPr lang="en-US" sz="1200" dirty="0">
+              <a:effectLst/>
+              <a:latin typeface="AdvPSA183"/>
+            </a:endParaRPr>
+          </a:p>
+          <a:p>
+            <a:pPr marL="0" marR="0" lvl="0" indent="0" algn="l" defTabSz="914400" rtl="0" eaLnBrk="1" fontAlgn="auto" latinLnBrk="0" hangingPunct="1">
+              <a:lnSpc>
+                <a:spcPct val="100000"/>
+              </a:lnSpc>
+              <a:spcBef>
+                <a:spcPts val="0"/>
+              </a:spcBef>
+              <a:spcAft>
+                <a:spcPts val="0"/>
+              </a:spcAft>
+              <a:buClrTx/>
+              <a:buSzTx/>
+              <a:buFontTx/>
+              <a:buNone/>
+              <a:tabLst/>
+              <a:defRPr/>
+            </a:pPr>
+            <a:r>
+              <a:rPr lang="en-US" sz="1200" dirty="0">
+                <a:effectLst/>
+                <a:latin typeface="AdvPSA183"/>
+              </a:rPr>
+              <a:t>mutations in </a:t>
+            </a:r>
+            <a:r>
+              <a:rPr lang="en-US" sz="1200" dirty="0" err="1">
+                <a:effectLst/>
+                <a:latin typeface="AdvPSA183"/>
+              </a:rPr>
+              <a:t>mtDNA</a:t>
+            </a:r>
+            <a:r>
+              <a:rPr lang="en-US" sz="1200" dirty="0">
+                <a:effectLst/>
+                <a:latin typeface="AdvPSA183"/>
+              </a:rPr>
+              <a:t> often reach high levels of </a:t>
+            </a:r>
+            <a:r>
+              <a:rPr lang="en-US" sz="1200" dirty="0" err="1">
+                <a:effectLst/>
+                <a:latin typeface="AdvPSA183"/>
+              </a:rPr>
+              <a:t>heteroplasmy</a:t>
+            </a:r>
+            <a:r>
+              <a:rPr lang="en-US" sz="1200" dirty="0">
+                <a:effectLst/>
+                <a:latin typeface="AdvPSA183"/>
+              </a:rPr>
+              <a:t> (proportion of mitochondrial genomes containing a specific mutation) due to a combination of vegetative segregation, random genetic drift, and relaxed replication </a:t>
+            </a:r>
+            <a:endParaRPr lang="en-US" b="0" i="0" u="none" strike="noStrike" dirty="0">
+              <a:solidFill>
+                <a:srgbClr val="212121"/>
+              </a:solidFill>
+              <a:effectLst/>
+              <a:highlight>
+                <a:srgbClr val="FFFCF0"/>
+              </a:highlight>
+              <a:latin typeface="Cambria" panose="02040503050406030204" pitchFamily="18" charset="0"/>
+            </a:endParaRPr>
+          </a:p>
+          <a:p>
+            <a:endParaRPr lang="en-US" dirty="0"/>
+          </a:p>
+          <a:p>
+            <a:r>
+              <a:rPr lang="en-US" b="0" i="0" u="none" strike="noStrike" dirty="0">
+                <a:solidFill>
+                  <a:srgbClr val="212121"/>
+                </a:solidFill>
+                <a:effectLst/>
+                <a:highlight>
+                  <a:srgbClr val="FFFCF0"/>
+                </a:highlight>
+                <a:latin typeface="Cambria" panose="02040503050406030204" pitchFamily="18" charset="0"/>
+              </a:rPr>
+              <a:t>Exclusively maternal inheritance</a:t>
+            </a:r>
+          </a:p>
+          <a:p>
+            <a:endParaRPr lang="en-US" b="0" i="0" u="none" strike="noStrike" dirty="0">
+              <a:solidFill>
+                <a:srgbClr val="212121"/>
+              </a:solidFill>
+              <a:effectLst/>
+              <a:highlight>
+                <a:srgbClr val="FFFFFF"/>
+              </a:highlight>
+              <a:latin typeface="Cambria" panose="02040503050406030204" pitchFamily="18" charset="0"/>
+            </a:endParaRPr>
+          </a:p>
+          <a:p>
+            <a:pPr marL="0" marR="0" lvl="0" indent="0" algn="l" defTabSz="914400" rtl="0" eaLnBrk="1" fontAlgn="auto" latinLnBrk="0" hangingPunct="1">
+              <a:lnSpc>
+                <a:spcPct val="100000"/>
+              </a:lnSpc>
+              <a:spcBef>
+                <a:spcPts val="0"/>
+              </a:spcBef>
+              <a:spcAft>
+                <a:spcPts val="0"/>
+              </a:spcAft>
+              <a:buClrTx/>
+              <a:buSzTx/>
+              <a:buFontTx/>
+              <a:buNone/>
+              <a:tabLst/>
+              <a:defRPr/>
+            </a:pPr>
+            <a:r>
+              <a:rPr lang="en-US" sz="1200" dirty="0" err="1">
+                <a:effectLst/>
+                <a:latin typeface="AdvPSA183"/>
+              </a:rPr>
+              <a:t>mtDNA</a:t>
+            </a:r>
+            <a:r>
+              <a:rPr lang="en-US" sz="1200" dirty="0">
+                <a:effectLst/>
+                <a:latin typeface="AdvPSA183"/>
+              </a:rPr>
+              <a:t> mutation rates are estimated to be 10- to 100-fold higher than for nuclear DNA</a:t>
             </a:r>
           </a:p>
         </p:txBody>
@@ -1390,7 +1238,7 @@
     </p:spTree>
     <p:extLst>
       <p:ext uri="{BB962C8B-B14F-4D97-AF65-F5344CB8AC3E}">
-        <p14:creationId xmlns:p14="http://schemas.microsoft.com/office/powerpoint/2010/main" val="85943540"/>
+        <p14:creationId xmlns:p14="http://schemas.microsoft.com/office/powerpoint/2010/main" val="2452080432"/>
       </p:ext>
     </p:extLst>
   </p:cSld>
@@ -1487,28 +1335,47 @@
                 <a:effectLst/>
                 <a:latin typeface="Menlo" panose="020B0609030804020204" pitchFamily="49" charset="0"/>
               </a:rPr>
-              <a:t>Perhaps interesting here that this </a:t>
-            </a:r>
-            <a:r>
-              <a:rPr lang="en-US" dirty="0"/>
-              <a:t>clustering places DP CD127</a:t>
-            </a:r>
-            <a:r>
-              <a:rPr lang="en-US" baseline="30000" dirty="0"/>
-              <a:t>+</a:t>
-            </a:r>
-            <a:r>
-              <a:rPr lang="en-US" dirty="0"/>
-              <a:t> with DN and non-exhausted CD127</a:t>
-            </a:r>
-            <a:r>
-              <a:rPr lang="en-US" baseline="30000" dirty="0"/>
-              <a:t>+</a:t>
-            </a:r>
-            <a:r>
-              <a:rPr lang="en-US" dirty="0"/>
-              <a:t> and not with other DPs</a:t>
-            </a:r>
+              <a:t>Just looking at top 2000 variable regions, which is what Seurat plotted on UMAP (less noisy than </a:t>
+            </a:r>
+            <a:r>
+              <a:rPr lang="en-US" b="0" dirty="0" err="1">
+                <a:solidFill>
+                  <a:srgbClr val="CCCCCC"/>
+                </a:solidFill>
+                <a:effectLst/>
+                <a:latin typeface="Menlo" panose="020B0609030804020204" pitchFamily="49" charset="0"/>
+              </a:rPr>
+              <a:t>Diffbind</a:t>
+            </a:r>
+            <a:r>
+              <a:rPr lang="en-US" b="0" dirty="0">
+                <a:solidFill>
+                  <a:srgbClr val="CCCCCC"/>
+                </a:solidFill>
+                <a:effectLst/>
+                <a:latin typeface="Menlo" panose="020B0609030804020204" pitchFamily="49" charset="0"/>
+              </a:rPr>
+              <a:t> default all regions)</a:t>
+            </a:r>
+          </a:p>
+          <a:p>
+            <a:pPr marL="0" marR="0" lvl="0" indent="0" algn="l" defTabSz="914400" rtl="0" eaLnBrk="1" fontAlgn="auto" latinLnBrk="0" hangingPunct="1">
+              <a:lnSpc>
+                <a:spcPct val="100000"/>
+              </a:lnSpc>
+              <a:spcBef>
+                <a:spcPts val="0"/>
+              </a:spcBef>
+              <a:spcAft>
+                <a:spcPts val="0"/>
+              </a:spcAft>
+              <a:buClrTx/>
+              <a:buSzTx/>
+              <a:buFont typeface="+mj-lt"/>
+              <a:buNone/>
+              <a:tabLst/>
+              <a:defRPr/>
+            </a:pPr>
             <a:endParaRPr lang="en-US" b="0" dirty="0">
               <a:solidFill>
                 <a:srgbClr val="CCCCCC"/>
@@ -1517,6 +1384,110 @@
               <a:latin typeface="Menlo" panose="020B0609030804020204" pitchFamily="49" charset="0"/>
             </a:endParaRPr>
           </a:p>
+          <a:p>
+            <a:pPr marL="0" marR="0" lvl="0" indent="0" algn="l" defTabSz="914400" rtl="0" eaLnBrk="1" fontAlgn="auto" latinLnBrk="0" hangingPunct="1">
+              <a:lnSpc>
+                <a:spcPct val="100000"/>
+              </a:lnSpc>
+              <a:spcBef>
+                <a:spcPts val="0"/>
+              </a:spcBef>
+              <a:spcAft>
+                <a:spcPts val="0"/>
+              </a:spcAft>
+              <a:buClrTx/>
+              <a:buSzTx/>
+              <a:buFont typeface="+mj-lt"/>
+              <a:buNone/>
+              <a:tabLst/>
+              <a:defRPr/>
+            </a:pPr>
+            <a:r>
+              <a:rPr lang="en-US" b="0" dirty="0">
+                <a:solidFill>
+                  <a:srgbClr val="CCCCCC"/>
+                </a:solidFill>
+                <a:effectLst/>
+                <a:latin typeface="Menlo" panose="020B0609030804020204" pitchFamily="49" charset="0"/>
+              </a:rPr>
+              <a:t>To move to Seurat, took counts within peaks and ran that matrix through Seurat workflow (normalize, select variable peaks, scale…)</a:t>
+            </a:r>
+          </a:p>
+          <a:p>
+            <a:pPr marL="0" marR="0" lvl="0" indent="0" algn="l" defTabSz="914400" rtl="0" eaLnBrk="1" fontAlgn="auto" latinLnBrk="0" hangingPunct="1">
+              <a:lnSpc>
+                <a:spcPct val="100000"/>
+              </a:lnSpc>
+              <a:spcBef>
+                <a:spcPts val="0"/>
+              </a:spcBef>
+              <a:spcAft>
+                <a:spcPts val="0"/>
+              </a:spcAft>
+              <a:buClrTx/>
+              <a:buSzTx/>
+              <a:buFont typeface="+mj-lt"/>
+              <a:buNone/>
+              <a:tabLst/>
+              <a:defRPr/>
+            </a:pPr>
+            <a:endParaRPr lang="en-US" b="0" dirty="0">
+              <a:solidFill>
+                <a:srgbClr val="CCCCCC"/>
+              </a:solidFill>
+              <a:effectLst/>
+              <a:latin typeface="Menlo" panose="020B0609030804020204" pitchFamily="49" charset="0"/>
+            </a:endParaRPr>
+          </a:p>
+          <a:p>
+            <a:pPr marL="0" marR="0" lvl="0" indent="0" algn="l" defTabSz="914400" rtl="0" eaLnBrk="1" fontAlgn="auto" latinLnBrk="0" hangingPunct="1">
+              <a:lnSpc>
+                <a:spcPct val="100000"/>
+              </a:lnSpc>
+              <a:spcBef>
+                <a:spcPts val="0"/>
+              </a:spcBef>
+              <a:spcAft>
+                <a:spcPts val="0"/>
+              </a:spcAft>
+              <a:buClrTx/>
+              <a:buSzTx/>
+              <a:buFont typeface="+mj-lt"/>
+              <a:buNone/>
+              <a:tabLst/>
+              <a:defRPr/>
+            </a:pPr>
+            <a:r>
+              <a:rPr lang="en-US" b="0" dirty="0">
+                <a:solidFill>
+                  <a:srgbClr val="CCCCCC"/>
+                </a:solidFill>
+                <a:effectLst/>
+                <a:latin typeface="Menlo" panose="020B0609030804020204" pitchFamily="49" charset="0"/>
+              </a:rPr>
+              <a:t>For distances, took scaled data from </a:t>
+            </a:r>
+            <a:r>
+              <a:rPr lang="en-US" b="0" dirty="0" err="1">
+                <a:solidFill>
+                  <a:srgbClr val="CCCCCC"/>
+                </a:solidFill>
+                <a:effectLst/>
+                <a:latin typeface="Menlo" panose="020B0609030804020204" pitchFamily="49" charset="0"/>
+              </a:rPr>
+              <a:t>UMAPped</a:t>
+            </a:r>
+            <a:r>
+              <a:rPr lang="en-US" b="0" dirty="0">
+                <a:solidFill>
+                  <a:srgbClr val="CCCCCC"/>
+                </a:solidFill>
+                <a:effectLst/>
+                <a:latin typeface="Menlo" panose="020B0609030804020204" pitchFamily="49" charset="0"/>
+              </a:rPr>
+              <a:t> Seurat object and ran distance formula on sort means (centroids)</a:t>
+            </a:r>
+          </a:p>
         </p:txBody>
       </p:sp>
       <p:sp>
@@ -1551,7 +1522,7 @@
     </p:spTree>
     <p:extLst>
       <p:ext uri="{BB962C8B-B14F-4D97-AF65-F5344CB8AC3E}">
-        <p14:creationId xmlns:p14="http://schemas.microsoft.com/office/powerpoint/2010/main" val="4259474391"/>
+        <p14:creationId xmlns:p14="http://schemas.microsoft.com/office/powerpoint/2010/main" val="85943540"/>
       </p:ext>
     </p:extLst>
   </p:cSld>
@@ -1640,6 +1611,36 @@
               <a:tabLst/>
               <a:defRPr/>
             </a:pPr>
+            <a:r>
+              <a:rPr lang="en-US" b="0" dirty="0">
+                <a:solidFill>
+                  <a:srgbClr val="CCCCCC"/>
+                </a:solidFill>
+                <a:effectLst/>
+                <a:latin typeface="Menlo" panose="020B0609030804020204" pitchFamily="49" charset="0"/>
+              </a:rPr>
+              <a:t>Perhaps interesting here that this </a:t>
+            </a:r>
+            <a:r>
+              <a:rPr lang="en-US" dirty="0"/>
+              <a:t>clustering places DP CD127</a:t>
+            </a:r>
+            <a:r>
+              <a:rPr lang="en-US" baseline="30000" dirty="0"/>
+              <a:t>+</a:t>
+            </a:r>
+            <a:r>
+              <a:rPr lang="en-US" dirty="0"/>
+              <a:t> with DN and non-exhausted CD127</a:t>
+            </a:r>
+            <a:r>
+              <a:rPr lang="en-US" baseline="30000" dirty="0"/>
+              <a:t>+</a:t>
+            </a:r>
+            <a:r>
+              <a:rPr lang="en-US" dirty="0"/>
+              <a:t> and not with other DPs</a:t>
+            </a:r>
             <a:endParaRPr lang="en-US" b="0" dirty="0">
               <a:solidFill>
                 <a:srgbClr val="CCCCCC"/>
@@ -1682,7 +1683,7 @@
     </p:spTree>
     <p:extLst>
       <p:ext uri="{BB962C8B-B14F-4D97-AF65-F5344CB8AC3E}">
-        <p14:creationId xmlns:p14="http://schemas.microsoft.com/office/powerpoint/2010/main" val="2226092851"/>
+        <p14:creationId xmlns:p14="http://schemas.microsoft.com/office/powerpoint/2010/main" val="4259474391"/>
       </p:ext>
     </p:extLst>
   </p:cSld>
@@ -1754,170 +1755,23 @@
           <a:bodyPr/>
           <a:lstStyle/>
           <a:p>
-            <a:pPr marL="0" indent="0">
+            <a:pPr marL="0" marR="0" lvl="0" indent="0" algn="l" defTabSz="914400" rtl="0" eaLnBrk="1" fontAlgn="auto" latinLnBrk="0" hangingPunct="1">
+              <a:lnSpc>
+                <a:spcPct val="100000"/>
+              </a:lnSpc>
+              <a:spcBef>
+                <a:spcPts val="0"/>
+              </a:spcBef>
+              <a:spcAft>
+                <a:spcPts val="0"/>
+              </a:spcAft>
+              <a:buClrTx/>
+              <a:buSzTx/>
               <a:buFont typeface="+mj-lt"/>
               <a:buNone/>
+              <a:tabLst/>
+              <a:defRPr/>
             </a:pPr>
-            <a:r>
-              <a:rPr lang="en-US" b="0" i="0" u="none" strike="noStrike" dirty="0" err="1">
-                <a:solidFill>
-                  <a:srgbClr val="000000"/>
-                </a:solidFill>
-                <a:effectLst/>
-                <a:latin typeface="-webkit-standard"/>
-              </a:rPr>
-              <a:t>PhenoPath</a:t>
-            </a:r>
-            <a:r>
-              <a:rPr lang="en-US" b="0" i="0" u="none" strike="noStrike" dirty="0">
-                <a:solidFill>
-                  <a:srgbClr val="000000"/>
-                </a:solidFill>
-                <a:effectLst/>
-                <a:latin typeface="-webkit-standard"/>
-              </a:rPr>
-              <a:t> analyzes the accessibility of genomic regions (peaks) in your ATAC-seq data, modeling how these accessibilities change along a biological trajectory and how this trajectory is influenced by tissue type</a:t>
-            </a:r>
-          </a:p>
-          <a:p>
-            <a:pPr marL="0" indent="0">
-              <a:buFont typeface="+mj-lt"/>
-              <a:buNone/>
-            </a:pPr>
-            <a:endParaRPr lang="en-US" b="0" i="0" u="none" strike="noStrike" dirty="0">
-              <a:solidFill>
-                <a:srgbClr val="000000"/>
-              </a:solidFill>
-              <a:effectLst/>
-              <a:latin typeface="-webkit-standard"/>
-            </a:endParaRPr>
-          </a:p>
-          <a:p>
-            <a:pPr marL="0" indent="0">
-              <a:buFont typeface="+mj-lt"/>
-              <a:buNone/>
-            </a:pPr>
-            <a:r>
-              <a:rPr lang="en-US" b="0" i="0" u="none" strike="noStrike" dirty="0" err="1">
-                <a:solidFill>
-                  <a:srgbClr val="333333"/>
-                </a:solidFill>
-                <a:effectLst/>
-                <a:highlight>
-                  <a:srgbClr val="FFFFFF"/>
-                </a:highlight>
-                <a:latin typeface="Arial" panose="020B0604020202020204" pitchFamily="34" charset="0"/>
-              </a:rPr>
-              <a:t>PhenoPath</a:t>
-            </a:r>
-            <a:r>
-              <a:rPr lang="en-US" b="0" i="0" u="none" strike="noStrike" dirty="0">
-                <a:solidFill>
-                  <a:srgbClr val="333333"/>
-                </a:solidFill>
-                <a:effectLst/>
-                <a:highlight>
-                  <a:srgbClr val="FFFFFF"/>
-                </a:highlight>
-                <a:latin typeface="Arial" panose="020B0604020202020204" pitchFamily="34" charset="0"/>
-              </a:rPr>
-              <a:t> models gene expression expression </a:t>
-            </a:r>
-            <a:r>
-              <a:rPr lang="en-US" b="0" i="0" u="none" strike="noStrike" dirty="0">
-                <a:solidFill>
-                  <a:srgbClr val="333333"/>
-                </a:solidFill>
-                <a:effectLst/>
-                <a:latin typeface="STIXGeneral-Italic"/>
-              </a:rPr>
-              <a:t>𝑦</a:t>
-            </a:r>
-            <a:r>
-              <a:rPr lang="en-US" b="0" i="0" u="none" strike="noStrike" dirty="0">
-                <a:solidFill>
-                  <a:srgbClr val="333333"/>
-                </a:solidFill>
-                <a:effectLst/>
-                <a:highlight>
-                  <a:srgbClr val="FFFFFF"/>
-                </a:highlight>
-                <a:latin typeface="Arial" panose="020B0604020202020204" pitchFamily="34" charset="0"/>
-              </a:rPr>
-              <a:t> in terms of a latent pathway score (</a:t>
-            </a:r>
-            <a:r>
-              <a:rPr lang="en-US" b="0" i="0" u="none" strike="noStrike" dirty="0" err="1">
-                <a:solidFill>
-                  <a:srgbClr val="333333"/>
-                </a:solidFill>
-                <a:effectLst/>
-                <a:highlight>
-                  <a:srgbClr val="FFFFFF"/>
-                </a:highlight>
-                <a:latin typeface="Arial" panose="020B0604020202020204" pitchFamily="34" charset="0"/>
-              </a:rPr>
-              <a:t>pseudotime</a:t>
-            </a:r>
-            <a:r>
-              <a:rPr lang="en-US" b="0" i="0" u="none" strike="noStrike" dirty="0">
-                <a:solidFill>
-                  <a:srgbClr val="333333"/>
-                </a:solidFill>
-                <a:effectLst/>
-                <a:highlight>
-                  <a:srgbClr val="FFFFFF"/>
-                </a:highlight>
-                <a:latin typeface="Arial" panose="020B0604020202020204" pitchFamily="34" charset="0"/>
-              </a:rPr>
-              <a:t>) </a:t>
-            </a:r>
-            <a:r>
-              <a:rPr lang="en-US" b="0" i="0" u="none" strike="noStrike" dirty="0">
-                <a:solidFill>
-                  <a:srgbClr val="333333"/>
-                </a:solidFill>
-                <a:effectLst/>
-                <a:latin typeface="STIXGeneral-Italic"/>
-              </a:rPr>
-              <a:t>𝑧</a:t>
-            </a:r>
-            <a:r>
-              <a:rPr lang="en-US" b="0" i="0" u="none" strike="noStrike" dirty="0">
-                <a:solidFill>
-                  <a:srgbClr val="333333"/>
-                </a:solidFill>
-                <a:effectLst/>
-                <a:highlight>
-                  <a:srgbClr val="FFFFFF"/>
-                </a:highlight>
-                <a:latin typeface="Arial" panose="020B0604020202020204" pitchFamily="34" charset="0"/>
-              </a:rPr>
-              <a:t>. Uniquely, the evolution of genes along the trajectory isn’t common to each gene but can be perturbed by an additional sample-specific covariate </a:t>
-            </a:r>
-            <a:r>
-              <a:rPr lang="en-US" b="0" i="0" u="none" strike="noStrike" dirty="0">
-                <a:solidFill>
-                  <a:srgbClr val="333333"/>
-                </a:solidFill>
-                <a:effectLst/>
-                <a:latin typeface="STIXGeneral-Italic"/>
-              </a:rPr>
-              <a:t>𝛽</a:t>
-            </a:r>
-            <a:r>
-              <a:rPr lang="en-US" b="0" i="0" u="none" strike="noStrike" dirty="0">
-                <a:solidFill>
-                  <a:srgbClr val="333333"/>
-                </a:solidFill>
-                <a:effectLst/>
-                <a:highlight>
-                  <a:srgbClr val="FFFFFF"/>
-                </a:highlight>
-                <a:latin typeface="Arial" panose="020B0604020202020204" pitchFamily="34" charset="0"/>
-              </a:rPr>
-              <a:t> (cell sort here)</a:t>
-            </a:r>
             <a:endParaRPr lang="en-US" b="0" dirty="0">
               <a:solidFill>
                 <a:srgbClr val="CCCCCC"/>
@@ -1960,7 +1814,7 @@
     </p:spTree>
     <p:extLst>
       <p:ext uri="{BB962C8B-B14F-4D97-AF65-F5344CB8AC3E}">
-        <p14:creationId xmlns:p14="http://schemas.microsoft.com/office/powerpoint/2010/main" val="12361104"/>
+        <p14:creationId xmlns:p14="http://schemas.microsoft.com/office/powerpoint/2010/main" val="2226092851"/>
       </p:ext>
     </p:extLst>
   </p:cSld>
@@ -2032,52 +1886,170 @@
           <a:bodyPr/>
           <a:lstStyle/>
           <a:p>
-            <a:pPr marL="0" marR="0" lvl="0" indent="0" algn="l" defTabSz="914400" rtl="0" eaLnBrk="1" fontAlgn="auto" latinLnBrk="0" hangingPunct="1">
-              <a:lnSpc>
-                <a:spcPct val="100000"/>
-              </a:lnSpc>
-              <a:spcBef>
-                <a:spcPts val="0"/>
-              </a:spcBef>
-              <a:spcAft>
-                <a:spcPts val="0"/>
-              </a:spcAft>
-              <a:buClrTx/>
-              <a:buSzTx/>
+            <a:pPr marL="0" indent="0">
               <a:buFont typeface="+mj-lt"/>
               <a:buNone/>
-              <a:tabLst/>
-              <a:defRPr/>
             </a:pPr>
             <a:r>
-              <a:rPr lang="en-US" b="0" dirty="0">
+              <a:rPr lang="en-US" b="0" i="0" u="none" strike="noStrike" dirty="0" err="1">
                 <a:solidFill>
-                  <a:srgbClr val="CCCCCC"/>
+                  <a:srgbClr val="000000"/>
                 </a:solidFill>
                 <a:effectLst/>
-                <a:latin typeface="Menlo" panose="020B0609030804020204" pitchFamily="49" charset="0"/>
+                <a:latin typeface="-webkit-standard"/>
               </a:rPr>
-              <a:t>Took top 50 contrast defining peaks per each of 10 contrasts, found unique peaks from these (213, 194 are unique gene-promoter combos but I kept all 213), then annotated rows with nearest genes, promoters</a:t>
-            </a:r>
-          </a:p>
-          <a:p>
-            <a:pPr marL="0" marR="0" lvl="0" indent="0" algn="l" defTabSz="914400" rtl="0" eaLnBrk="1" fontAlgn="auto" latinLnBrk="0" hangingPunct="1">
-              <a:lnSpc>
-                <a:spcPct val="100000"/>
-              </a:lnSpc>
-              <a:spcBef>
-                <a:spcPts val="0"/>
-              </a:spcBef>
-              <a:spcAft>
-                <a:spcPts val="0"/>
-              </a:spcAft>
-              <a:buClrTx/>
-              <a:buSzTx/>
+              <a:t>PhenoPath</a:t>
+            </a:r>
+            <a:r>
+              <a:rPr lang="en-US" b="0" i="0" u="none" strike="noStrike" dirty="0">
+                <a:solidFill>
+                  <a:srgbClr val="000000"/>
+                </a:solidFill>
+                <a:effectLst/>
+                <a:latin typeface="-webkit-standard"/>
+              </a:rPr>
+              <a:t> analyzes the accessibility of genomic regions (peaks) in your ATAC-seq data, modeling how these accessibilities change along a biological trajectory and how this trajectory is influenced by tissue type</a:t>
+            </a:r>
+          </a:p>
+          <a:p>
+            <a:pPr marL="0" indent="0">
               <a:buFont typeface="+mj-lt"/>
               <a:buNone/>
-              <a:tabLst/>
-              <a:defRPr/>
             </a:pPr>
+            <a:endParaRPr lang="en-US" b="0" i="0" u="none" strike="noStrike" dirty="0">
+              <a:solidFill>
+                <a:srgbClr val="000000"/>
+              </a:solidFill>
+              <a:effectLst/>
+              <a:latin typeface="-webkit-standard"/>
+            </a:endParaRPr>
+          </a:p>
+          <a:p>
+            <a:pPr marL="0" indent="0">
+              <a:buFont typeface="+mj-lt"/>
+              <a:buNone/>
+            </a:pPr>
+            <a:r>
+              <a:rPr lang="en-US" b="0" i="0" u="none" strike="noStrike" dirty="0" err="1">
+                <a:solidFill>
+                  <a:srgbClr val="333333"/>
+                </a:solidFill>
+                <a:effectLst/>
+                <a:highlight>
+                  <a:srgbClr val="FFFFFF"/>
+                </a:highlight>
+                <a:latin typeface="Arial" panose="020B0604020202020204" pitchFamily="34" charset="0"/>
+              </a:rPr>
+              <a:t>PhenoPath</a:t>
+            </a:r>
+            <a:r>
+              <a:rPr lang="en-US" b="0" i="0" u="none" strike="noStrike" dirty="0">
+                <a:solidFill>
+                  <a:srgbClr val="333333"/>
+                </a:solidFill>
+                <a:effectLst/>
+                <a:highlight>
+                  <a:srgbClr val="FFFFFF"/>
+                </a:highlight>
+                <a:latin typeface="Arial" panose="020B0604020202020204" pitchFamily="34" charset="0"/>
+              </a:rPr>
+              <a:t> models gene expression expression </a:t>
+            </a:r>
+            <a:r>
+              <a:rPr lang="en-US" b="0" i="0" u="none" strike="noStrike" dirty="0">
+                <a:solidFill>
+                  <a:srgbClr val="333333"/>
+                </a:solidFill>
+                <a:effectLst/>
+                <a:latin typeface="STIXGeneral-Italic"/>
+              </a:rPr>
+              <a:t>𝑦</a:t>
+            </a:r>
+            <a:r>
+              <a:rPr lang="en-US" b="0" i="0" u="none" strike="noStrike" dirty="0">
+                <a:solidFill>
+                  <a:srgbClr val="333333"/>
+                </a:solidFill>
+                <a:effectLst/>
+                <a:highlight>
+                  <a:srgbClr val="FFFFFF"/>
+                </a:highlight>
+                <a:latin typeface="Arial" panose="020B0604020202020204" pitchFamily="34" charset="0"/>
+              </a:rPr>
+              <a:t> in terms of a latent pathway score (</a:t>
+            </a:r>
+            <a:r>
+              <a:rPr lang="en-US" b="0" i="0" u="none" strike="noStrike" dirty="0" err="1">
+                <a:solidFill>
+                  <a:srgbClr val="333333"/>
+                </a:solidFill>
+                <a:effectLst/>
+                <a:highlight>
+                  <a:srgbClr val="FFFFFF"/>
+                </a:highlight>
+                <a:latin typeface="Arial" panose="020B0604020202020204" pitchFamily="34" charset="0"/>
+              </a:rPr>
+              <a:t>pseudotime</a:t>
+            </a:r>
+            <a:r>
+              <a:rPr lang="en-US" b="0" i="0" u="none" strike="noStrike" dirty="0">
+                <a:solidFill>
+                  <a:srgbClr val="333333"/>
+                </a:solidFill>
+                <a:effectLst/>
+                <a:highlight>
+                  <a:srgbClr val="FFFFFF"/>
+                </a:highlight>
+                <a:latin typeface="Arial" panose="020B0604020202020204" pitchFamily="34" charset="0"/>
+              </a:rPr>
+              <a:t>) </a:t>
+            </a:r>
+            <a:r>
+              <a:rPr lang="en-US" b="0" i="0" u="none" strike="noStrike" dirty="0">
+                <a:solidFill>
+                  <a:srgbClr val="333333"/>
+                </a:solidFill>
+                <a:effectLst/>
+                <a:latin typeface="STIXGeneral-Italic"/>
+              </a:rPr>
+              <a:t>𝑧</a:t>
+            </a:r>
+            <a:r>
+              <a:rPr lang="en-US" b="0" i="0" u="none" strike="noStrike" dirty="0">
+                <a:solidFill>
+                  <a:srgbClr val="333333"/>
+                </a:solidFill>
+                <a:effectLst/>
+                <a:highlight>
+                  <a:srgbClr val="FFFFFF"/>
+                </a:highlight>
+                <a:latin typeface="Arial" panose="020B0604020202020204" pitchFamily="34" charset="0"/>
+              </a:rPr>
+              <a:t>. Uniquely, the evolution of genes along the trajectory isn’t common to each gene but can be perturbed by an additional sample-specific covariate </a:t>
+            </a:r>
+            <a:r>
+              <a:rPr lang="en-US" b="0" i="0" u="none" strike="noStrike" dirty="0">
+                <a:solidFill>
+                  <a:srgbClr val="333333"/>
+                </a:solidFill>
+                <a:effectLst/>
+                <a:latin typeface="STIXGeneral-Italic"/>
+              </a:rPr>
+              <a:t>𝛽</a:t>
+            </a:r>
+            <a:r>
+              <a:rPr lang="en-US" b="0" i="0" u="none" strike="noStrike" dirty="0">
+                <a:solidFill>
+                  <a:srgbClr val="333333"/>
+                </a:solidFill>
+                <a:effectLst/>
+                <a:highlight>
+                  <a:srgbClr val="FFFFFF"/>
+                </a:highlight>
+                <a:latin typeface="Arial" panose="020B0604020202020204" pitchFamily="34" charset="0"/>
+              </a:rPr>
+              <a:t> (cell sort here)</a:t>
+            </a:r>
             <a:endParaRPr lang="en-US" b="0" dirty="0">
               <a:solidFill>
                 <a:srgbClr val="CCCCCC"/>
@@ -2086,35 +2058,6 @@
               <a:latin typeface="Menlo" panose="020B0609030804020204" pitchFamily="49" charset="0"/>
             </a:endParaRPr>
           </a:p>
-          <a:p>
-            <a:pPr marL="0" marR="0" lvl="0" indent="0" algn="l" defTabSz="914400" rtl="0" eaLnBrk="1" fontAlgn="auto" latinLnBrk="0" hangingPunct="1">
-              <a:lnSpc>
-                <a:spcPct val="100000"/>
-              </a:lnSpc>
-              <a:spcBef>
-                <a:spcPts val="0"/>
-              </a:spcBef>
-              <a:spcAft>
-                <a:spcPts val="0"/>
-              </a:spcAft>
-              <a:buClrTx/>
-              <a:buSzTx/>
-              <a:buFont typeface="+mj-lt"/>
-              <a:buNone/>
-              <a:tabLst/>
-              <a:defRPr/>
-            </a:pPr>
-            <a:r>
-              <a:rPr lang="en-US" b="0" dirty="0">
-                <a:solidFill>
-                  <a:srgbClr val="CCCCCC"/>
-                </a:solidFill>
-                <a:effectLst/>
-                <a:latin typeface="Menlo" panose="020B0609030804020204" pitchFamily="49" charset="0"/>
-              </a:rPr>
-              <a:t>Possible motivation for this is since it’s easy to overinterpret distances in PCA space (biased by projection), so here we can see (here biased by peaks we use for rows) how sorts differ (heatmap color blocks)</a:t>
-            </a:r>
-          </a:p>
         </p:txBody>
       </p:sp>
       <p:sp>
@@ -2149,7 +2092,7 @@
     </p:spTree>
     <p:extLst>
       <p:ext uri="{BB962C8B-B14F-4D97-AF65-F5344CB8AC3E}">
-        <p14:creationId xmlns:p14="http://schemas.microsoft.com/office/powerpoint/2010/main" val="301494982"/>
+        <p14:creationId xmlns:p14="http://schemas.microsoft.com/office/powerpoint/2010/main" val="12361104"/>
       </p:ext>
     </p:extLst>
   </p:cSld>
@@ -2239,6 +2182,195 @@
               <a:defRPr/>
             </a:pPr>
             <a:r>
+              <a:rPr lang="en-US" b="0" dirty="0">
+                <a:solidFill>
+                  <a:srgbClr val="CCCCCC"/>
+                </a:solidFill>
+                <a:effectLst/>
+                <a:latin typeface="Menlo" panose="020B0609030804020204" pitchFamily="49" charset="0"/>
+              </a:rPr>
+              <a:t>Took top 50 contrast defining peaks per each of 10 contrasts, found unique peaks from these (213, 194 are unique gene-promoter combos but I kept all 213), then annotated rows with nearest genes, promoters</a:t>
+            </a:r>
+          </a:p>
+          <a:p>
+            <a:pPr marL="0" marR="0" lvl="0" indent="0" algn="l" defTabSz="914400" rtl="0" eaLnBrk="1" fontAlgn="auto" latinLnBrk="0" hangingPunct="1">
+              <a:lnSpc>
+                <a:spcPct val="100000"/>
+              </a:lnSpc>
+              <a:spcBef>
+                <a:spcPts val="0"/>
+              </a:spcBef>
+              <a:spcAft>
+                <a:spcPts val="0"/>
+              </a:spcAft>
+              <a:buClrTx/>
+              <a:buSzTx/>
+              <a:buFont typeface="+mj-lt"/>
+              <a:buNone/>
+              <a:tabLst/>
+              <a:defRPr/>
+            </a:pPr>
+            <a:endParaRPr lang="en-US" b="0" dirty="0">
+              <a:solidFill>
+                <a:srgbClr val="CCCCCC"/>
+              </a:solidFill>
+              <a:effectLst/>
+              <a:latin typeface="Menlo" panose="020B0609030804020204" pitchFamily="49" charset="0"/>
+            </a:endParaRPr>
+          </a:p>
+          <a:p>
+            <a:pPr marL="0" marR="0" lvl="0" indent="0" algn="l" defTabSz="914400" rtl="0" eaLnBrk="1" fontAlgn="auto" latinLnBrk="0" hangingPunct="1">
+              <a:lnSpc>
+                <a:spcPct val="100000"/>
+              </a:lnSpc>
+              <a:spcBef>
+                <a:spcPts val="0"/>
+              </a:spcBef>
+              <a:spcAft>
+                <a:spcPts val="0"/>
+              </a:spcAft>
+              <a:buClrTx/>
+              <a:buSzTx/>
+              <a:buFont typeface="+mj-lt"/>
+              <a:buNone/>
+              <a:tabLst/>
+              <a:defRPr/>
+            </a:pPr>
+            <a:r>
+              <a:rPr lang="en-US" b="0" dirty="0">
+                <a:solidFill>
+                  <a:srgbClr val="CCCCCC"/>
+                </a:solidFill>
+                <a:effectLst/>
+                <a:latin typeface="Menlo" panose="020B0609030804020204" pitchFamily="49" charset="0"/>
+              </a:rPr>
+              <a:t>Possible motivation for this is since it’s easy to overinterpret distances in PCA space (biased by projection), so here we can see (here biased by peaks we use for rows) how sorts differ (heatmap color blocks)</a:t>
+            </a:r>
+          </a:p>
+        </p:txBody>
+      </p:sp>
+      <p:sp>
+        <p:nvSpPr>
+          <p:cNvPr id="4" name="Slide Number Placeholder 3">
+            <a:extLst>
+              <a:ext uri="{FF2B5EF4-FFF2-40B4-BE49-F238E27FC236}">
+                <a16:creationId xmlns:a16="http://schemas.microsoft.com/office/drawing/2014/main" id="{9F3FD3E1-ECA8-7789-76B9-A150DB6276EE}"/>
+              </a:ext>
+            </a:extLst>
+          </p:cNvPr>
+          <p:cNvSpPr>
+            <a:spLocks noGrp="1"/>
+          </p:cNvSpPr>
+          <p:nvPr>
+            <p:ph type="sldNum" sz="quarter" idx="5"/>
+          </p:nvPr>
+        </p:nvSpPr>
+        <p:spPr/>
+        <p:txBody>
+          <a:bodyPr/>
+          <a:lstStyle/>
+          <a:p>
+            <a:fld id="{061BAA8C-FDC6-D345-B4E0-3B02449209FB}" type="slidenum">
+              <a:rPr lang="en-US" smtClean="0"/>
+              <a:t>8</a:t>
+            </a:fld>
+            <a:endParaRPr lang="en-US"/>
+          </a:p>
+        </p:txBody>
+      </p:sp>
+    </p:spTree>
+    <p:extLst>
+      <p:ext uri="{BB962C8B-B14F-4D97-AF65-F5344CB8AC3E}">
+        <p14:creationId xmlns:p14="http://schemas.microsoft.com/office/powerpoint/2010/main" val="301494982"/>
+      </p:ext>
+    </p:extLst>
+  </p:cSld>
+  <p:clrMapOvr>
+    <a:masterClrMapping/>
+  </p:clrMapOvr>
+</p:notes>
+</file>
+
+<file path=ppt/notesSlides/notesSlide9.xml><?xml version="1.0" encoding="utf-8"?>
+<p:notes xmlns:a="http://schemas.openxmlformats.org/drawingml/2006/main" xmlns:r="http://schemas.openxmlformats.org/officeDocument/2006/relationships" xmlns:p="http://schemas.openxmlformats.org/presentationml/2006/main">
+  <p:cSld>
+    <p:spTree>
+      <p:nvGrpSpPr>
+        <p:cNvPr id="1" name="">
+          <a:extLst>
+            <a:ext uri="{FF2B5EF4-FFF2-40B4-BE49-F238E27FC236}">
+              <a16:creationId xmlns:a16="http://schemas.microsoft.com/office/drawing/2014/main" id="{3415C166-0F50-E043-8950-9F266C4565AE}"/>
+            </a:ext>
+          </a:extLst>
+        </p:cNvPr>
+        <p:cNvGrpSpPr/>
+        <p:nvPr/>
+      </p:nvGrpSpPr>
+      <p:grpSpPr>
+        <a:xfrm>
+          <a:off x="0" y="0"/>
+          <a:ext cx="0" cy="0"/>
+          <a:chOff x="0" y="0"/>
+          <a:chExt cx="0" cy="0"/>
+        </a:xfrm>
+      </p:grpSpPr>
+      <p:sp>
+        <p:nvSpPr>
+          <p:cNvPr id="2" name="Slide Image Placeholder 1">
+            <a:extLst>
+              <a:ext uri="{FF2B5EF4-FFF2-40B4-BE49-F238E27FC236}">
+                <a16:creationId xmlns:a16="http://schemas.microsoft.com/office/drawing/2014/main" id="{1E497E09-6D11-D0BA-D2D1-5B08FB997731}"/>
+              </a:ext>
+            </a:extLst>
+          </p:cNvPr>
+          <p:cNvSpPr>
+            <a:spLocks noGrp="1" noRot="1" noChangeAspect="1"/>
+          </p:cNvSpPr>
+          <p:nvPr>
+            <p:ph type="sldImg"/>
+          </p:nvPr>
+        </p:nvSpPr>
+        <p:spPr/>
+      </p:sp>
+      <p:sp>
+        <p:nvSpPr>
+          <p:cNvPr id="3" name="Notes Placeholder 2">
+            <a:extLst>
+              <a:ext uri="{FF2B5EF4-FFF2-40B4-BE49-F238E27FC236}">
+                <a16:creationId xmlns:a16="http://schemas.microsoft.com/office/drawing/2014/main" id="{9336C4A5-58A4-D062-54A6-1D67A978E992}"/>
+              </a:ext>
+            </a:extLst>
+          </p:cNvPr>
+          <p:cNvSpPr>
+            <a:spLocks noGrp="1"/>
+          </p:cNvSpPr>
+          <p:nvPr>
+            <p:ph type="body" idx="1"/>
+          </p:nvPr>
+        </p:nvSpPr>
+        <p:spPr/>
+        <p:txBody>
+          <a:bodyPr/>
+          <a:lstStyle/>
+          <a:p>
+            <a:pPr marL="0" marR="0" lvl="0" indent="0" algn="l" defTabSz="914400" rtl="0" eaLnBrk="1" fontAlgn="auto" latinLnBrk="0" hangingPunct="1">
+              <a:lnSpc>
+                <a:spcPct val="100000"/>
+              </a:lnSpc>
+              <a:spcBef>
+                <a:spcPts val="0"/>
+              </a:spcBef>
+              <a:spcAft>
+                <a:spcPts val="0"/>
+              </a:spcAft>
+              <a:buClrTx/>
+              <a:buSzTx/>
+              <a:buFont typeface="+mj-lt"/>
+              <a:buNone/>
+              <a:tabLst/>
+              <a:defRPr/>
+            </a:pPr>
+            <a:r>
               <a:rPr lang="en-US" b="0" i="0" u="none" strike="noStrike" dirty="0">
                 <a:effectLst/>
                 <a:highlight>
@@ -2578,7 +2710,7 @@
           <a:p>
             <a:fld id="{061BAA8C-FDC6-D345-B4E0-3B02449209FB}" type="slidenum">
               <a:rPr lang="en-US" smtClean="0"/>
-              <a:t>8</a:t>
+              <a:t>9</a:t>
             </a:fld>
             <a:endParaRPr lang="en-US"/>
           </a:p>
@@ -2744,7 +2876,7 @@
           <a:p>
             <a:fld id="{80FC6068-BAFB-FC44-B9D8-F4B3BB105DE6}" type="datetimeFigureOut">
               <a:rPr lang="en-US" smtClean="0"/>
-              <a:t>8/1/24</a:t>
+              <a:t>8/5/24</a:t>
             </a:fld>
             <a:endParaRPr lang="en-US"/>
           </a:p>
@@ -2942,7 +3074,7 @@
           <a:p>
             <a:fld id="{80FC6068-BAFB-FC44-B9D8-F4B3BB105DE6}" type="datetimeFigureOut">
               <a:rPr lang="en-US" smtClean="0"/>
-              <a:t>8/1/24</a:t>
+              <a:t>8/5/24</a:t>
             </a:fld>
             <a:endParaRPr lang="en-US"/>
           </a:p>
@@ -3150,7 +3282,7 @@
           <a:p>
             <a:fld id="{80FC6068-BAFB-FC44-B9D8-F4B3BB105DE6}" type="datetimeFigureOut">
               <a:rPr lang="en-US" smtClean="0"/>
-              <a:t>8/1/24</a:t>
+              <a:t>8/5/24</a:t>
             </a:fld>
             <a:endParaRPr lang="en-US"/>
           </a:p>
@@ -3354,7 +3486,7 @@
           <a:p>
             <a:fld id="{80FC6068-BAFB-FC44-B9D8-F4B3BB105DE6}" type="datetimeFigureOut">
               <a:rPr lang="en-US" smtClean="0"/>
-              <a:t>8/1/24</a:t>
+              <a:t>8/5/24</a:t>
             </a:fld>
             <a:endParaRPr lang="en-US"/>
           </a:p>
@@ -3645,7 +3777,7 @@
           <a:p>
             <a:fld id="{80FC6068-BAFB-FC44-B9D8-F4B3BB105DE6}" type="datetimeFigureOut">
               <a:rPr lang="en-US" smtClean="0"/>
-              <a:t>8/1/24</a:t>
+              <a:t>8/5/24</a:t>
             </a:fld>
             <a:endParaRPr lang="en-US"/>
           </a:p>
@@ -3910,7 +4042,7 @@
           <a:p>
             <a:fld id="{80FC6068-BAFB-FC44-B9D8-F4B3BB105DE6}" type="datetimeFigureOut">
               <a:rPr lang="en-US" smtClean="0"/>
-              <a:t>8/1/24</a:t>
+              <a:t>8/5/24</a:t>
             </a:fld>
             <a:endParaRPr lang="en-US"/>
           </a:p>
@@ -4322,7 +4454,7 @@
           <a:p>
             <a:fld id="{80FC6068-BAFB-FC44-B9D8-F4B3BB105DE6}" type="datetimeFigureOut">
               <a:rPr lang="en-US" smtClean="0"/>
-              <a:t>8/1/24</a:t>
+              <a:t>8/5/24</a:t>
             </a:fld>
             <a:endParaRPr lang="en-US"/>
           </a:p>
@@ -4463,7 +4595,7 @@
           <a:p>
             <a:fld id="{80FC6068-BAFB-FC44-B9D8-F4B3BB105DE6}" type="datetimeFigureOut">
               <a:rPr lang="en-US" smtClean="0"/>
-              <a:t>8/1/24</a:t>
+              <a:t>8/5/24</a:t>
             </a:fld>
             <a:endParaRPr lang="en-US"/>
           </a:p>
@@ -4576,7 +4708,7 @@
           <a:p>
             <a:fld id="{80FC6068-BAFB-FC44-B9D8-F4B3BB105DE6}" type="datetimeFigureOut">
               <a:rPr lang="en-US" smtClean="0"/>
-              <a:t>8/1/24</a:t>
+              <a:t>8/5/24</a:t>
             </a:fld>
             <a:endParaRPr lang="en-US"/>
           </a:p>
@@ -4887,7 +5019,7 @@
           <a:p>
             <a:fld id="{80FC6068-BAFB-FC44-B9D8-F4B3BB105DE6}" type="datetimeFigureOut">
               <a:rPr lang="en-US" smtClean="0"/>
-              <a:t>8/1/24</a:t>
+              <a:t>8/5/24</a:t>
             </a:fld>
             <a:endParaRPr lang="en-US"/>
           </a:p>
@@ -5175,7 +5307,7 @@
           <a:p>
             <a:fld id="{80FC6068-BAFB-FC44-B9D8-F4B3BB105DE6}" type="datetimeFigureOut">
               <a:rPr lang="en-US" smtClean="0"/>
-              <a:t>8/1/24</a:t>
+              <a:t>8/5/24</a:t>
             </a:fld>
             <a:endParaRPr lang="en-US"/>
           </a:p>
@@ -5416,7 +5548,7 @@
           <a:p>
             <a:fld id="{80FC6068-BAFB-FC44-B9D8-F4B3BB105DE6}" type="datetimeFigureOut">
               <a:rPr lang="en-US" smtClean="0"/>
-              <a:t>8/1/24</a:t>
+              <a:t>8/5/24</a:t>
             </a:fld>
             <a:endParaRPr lang="en-US"/>
           </a:p>
@@ -5939,6 +6071,139 @@
           <a:chExt cx="0" cy="0"/>
         </a:xfrm>
       </p:grpSpPr>
+      <p:sp>
+        <p:nvSpPr>
+          <p:cNvPr id="6" name="Title 5">
+            <a:extLst>
+              <a:ext uri="{FF2B5EF4-FFF2-40B4-BE49-F238E27FC236}">
+                <a16:creationId xmlns:a16="http://schemas.microsoft.com/office/drawing/2014/main" id="{B9AD7D28-49C2-0B8B-79CB-FA2C8F40B6BC}"/>
+              </a:ext>
+            </a:extLst>
+          </p:cNvPr>
+          <p:cNvSpPr>
+            <a:spLocks noGrp="1"/>
+          </p:cNvSpPr>
+          <p:nvPr>
+            <p:ph type="title"/>
+          </p:nvPr>
+        </p:nvSpPr>
+        <p:spPr>
+          <a:xfrm>
+            <a:off x="838200" y="365125"/>
+            <a:ext cx="10279455" cy="1825625"/>
+          </a:xfrm>
+        </p:spPr>
+        <p:txBody>
+          <a:bodyPr>
+            <a:normAutofit/>
+          </a:bodyPr>
+          <a:lstStyle/>
+          <a:p>
+            <a:r>
+              <a:rPr lang="en-US" dirty="0"/>
+              <a:t>Outline</a:t>
+            </a:r>
+          </a:p>
+        </p:txBody>
+      </p:sp>
+      <p:sp>
+        <p:nvSpPr>
+          <p:cNvPr id="2" name="Content Placeholder 2">
+            <a:extLst>
+              <a:ext uri="{FF2B5EF4-FFF2-40B4-BE49-F238E27FC236}">
+                <a16:creationId xmlns:a16="http://schemas.microsoft.com/office/drawing/2014/main" id="{090FDFCF-AEFD-6D7B-6B89-12A07B49703B}"/>
+              </a:ext>
+            </a:extLst>
+          </p:cNvPr>
+          <p:cNvSpPr>
+            <a:spLocks noGrp="1"/>
+          </p:cNvSpPr>
+          <p:nvPr>
+            <p:ph idx="1"/>
+          </p:nvPr>
+        </p:nvSpPr>
+        <p:spPr>
+          <a:xfrm>
+            <a:off x="838200" y="1919289"/>
+            <a:ext cx="10771208" cy="4499440"/>
+          </a:xfrm>
+        </p:spPr>
+        <p:txBody>
+          <a:bodyPr>
+            <a:normAutofit/>
+          </a:bodyPr>
+          <a:lstStyle/>
+          <a:p>
+            <a:pPr marL="514350" indent="-514350">
+              <a:buFont typeface="+mj-lt"/>
+              <a:buAutoNum type="arabicPeriod"/>
+            </a:pPr>
+            <a:r>
+              <a:rPr lang="en-US" dirty="0"/>
+              <a:t>P452 T1DAL MT variant sharing over time</a:t>
+            </a:r>
+          </a:p>
+          <a:p>
+            <a:pPr marL="514350" indent="-514350">
+              <a:buFont typeface="+mj-lt"/>
+              <a:buAutoNum type="arabicPeriod"/>
+            </a:pPr>
+            <a:r>
+              <a:rPr lang="en-US" dirty="0"/>
+              <a:t>P576 </a:t>
+            </a:r>
+            <a:r>
+              <a:rPr lang="en-US" dirty="0" err="1"/>
+              <a:t>AbATE</a:t>
+            </a:r>
+            <a:r>
+              <a:rPr lang="en-US" dirty="0"/>
+              <a:t> dimensional reductions, </a:t>
+            </a:r>
+            <a:r>
+              <a:rPr lang="en-US"/>
+              <a:t>pseudotime</a:t>
+            </a:r>
+            <a:endParaRPr lang="en-US" dirty="0"/>
+          </a:p>
+        </p:txBody>
+      </p:sp>
+    </p:spTree>
+    <p:extLst>
+      <p:ext uri="{BB962C8B-B14F-4D97-AF65-F5344CB8AC3E}">
+        <p14:creationId xmlns:p14="http://schemas.microsoft.com/office/powerpoint/2010/main" val="2039894282"/>
+      </p:ext>
+    </p:extLst>
+  </p:cSld>
+  <p:clrMapOvr>
+    <a:masterClrMapping/>
+  </p:clrMapOvr>
+</p:sld>
+</file>
+
+<file path=ppt/slides/slide3.xml><?xml version="1.0" encoding="utf-8"?>
+<p:sld xmlns:a="http://schemas.openxmlformats.org/drawingml/2006/main" xmlns:r="http://schemas.openxmlformats.org/officeDocument/2006/relationships" xmlns:p="http://schemas.openxmlformats.org/presentationml/2006/main">
+  <p:cSld>
+    <p:spTree>
+      <p:nvGrpSpPr>
+        <p:cNvPr id="1" name="">
+          <a:extLst>
+            <a:ext uri="{FF2B5EF4-FFF2-40B4-BE49-F238E27FC236}">
+              <a16:creationId xmlns:a16="http://schemas.microsoft.com/office/drawing/2014/main" id="{5F63F271-7169-1115-1EF3-CE3BF477816E}"/>
+            </a:ext>
+          </a:extLst>
+        </p:cNvPr>
+        <p:cNvGrpSpPr/>
+        <p:nvPr/>
+      </p:nvGrpSpPr>
+      <p:grpSpPr>
+        <a:xfrm>
+          <a:off x="0" y="0"/>
+          <a:ext cx="0" cy="0"/>
+          <a:chOff x="0" y="0"/>
+          <a:chExt cx="0" cy="0"/>
+        </a:xfrm>
+      </p:grpSpPr>
       <p:pic>
         <p:nvPicPr>
           <p:cNvPr id="8" name="Picture 7">
@@ -6182,7 +6447,7 @@
 </p:sld>
 </file>
 
-<file path=ppt/slides/slide3.xml><?xml version="1.0" encoding="utf-8"?>
+<file path=ppt/slides/slide4.xml><?xml version="1.0" encoding="utf-8"?>
 <p:sld xmlns:a="http://schemas.openxmlformats.org/drawingml/2006/main" xmlns:r="http://schemas.openxmlformats.org/officeDocument/2006/relationships" xmlns:p="http://schemas.openxmlformats.org/presentationml/2006/main">
   <p:cSld>
     <p:spTree>
@@ -6529,7 +6794,7 @@
 </p:sld>
 </file>
 
-<file path=ppt/slides/slide4.xml><?xml version="1.0" encoding="utf-8"?>
+<file path=ppt/slides/slide5.xml><?xml version="1.0" encoding="utf-8"?>
 <p:sld xmlns:a="http://schemas.openxmlformats.org/drawingml/2006/main" xmlns:r="http://schemas.openxmlformats.org/officeDocument/2006/relationships" xmlns:p="http://schemas.openxmlformats.org/presentationml/2006/main">
   <p:cSld>
     <p:spTree>
@@ -6673,7 +6938,7 @@
 </p:sld>
 </file>
 
-<file path=ppt/slides/slide5.xml><?xml version="1.0" encoding="utf-8"?>
+<file path=ppt/slides/slide6.xml><?xml version="1.0" encoding="utf-8"?>
 <p:sld xmlns:a="http://schemas.openxmlformats.org/drawingml/2006/main" xmlns:r="http://schemas.openxmlformats.org/officeDocument/2006/relationships" xmlns:p="http://schemas.openxmlformats.org/presentationml/2006/main" show="0">
   <p:cSld>
     <p:spTree>
@@ -6882,7 +7147,7 @@
 </p:sld>
 </file>
 
-<file path=ppt/slides/slide6.xml><?xml version="1.0" encoding="utf-8"?>
+<file path=ppt/slides/slide7.xml><?xml version="1.0" encoding="utf-8"?>
 <p:sld xmlns:a="http://schemas.openxmlformats.org/drawingml/2006/main" xmlns:r="http://schemas.openxmlformats.org/officeDocument/2006/relationships" xmlns:p="http://schemas.openxmlformats.org/presentationml/2006/main">
   <p:cSld>
     <p:spTree>
@@ -7060,7 +7325,7 @@
 </p:sld>
 </file>
 
-<file path=ppt/slides/slide7.xml><?xml version="1.0" encoding="utf-8"?>
+<file path=ppt/slides/slide8.xml><?xml version="1.0" encoding="utf-8"?>
 <p:sld xmlns:a="http://schemas.openxmlformats.org/drawingml/2006/main" xmlns:r="http://schemas.openxmlformats.org/officeDocument/2006/relationships" xmlns:p="http://schemas.openxmlformats.org/presentationml/2006/main">
   <p:cSld>
     <p:spTree>
@@ -7347,7 +7612,7 @@
 </p:sld>
 </file>
 
-<file path=ppt/slides/slide8.xml><?xml version="1.0" encoding="utf-8"?>
+<file path=ppt/slides/slide9.xml><?xml version="1.0" encoding="utf-8"?>
 <p:sld xmlns:a="http://schemas.openxmlformats.org/drawingml/2006/main" xmlns:r="http://schemas.openxmlformats.org/officeDocument/2006/relationships" xmlns:p="http://schemas.openxmlformats.org/presentationml/2006/main">
   <p:cSld>
     <p:spTree>
